--- a/teste/Projeto Módulo 5 - Apresentação.pptx
+++ b/teste/Projeto Módulo 5 - Apresentação.pptx
@@ -146,7 +146,7 @@
           <a:p>
             <a:fld id="{E05178B7-9E62-4E3F-8A19-1535C137515F}" type="datetimeFigureOut">
               <a:rPr lang="pt-PT" smtClean="0"/>
-              <a:t>10-12-2020</a:t>
+              <a:t>16-12-2020</a:t>
             </a:fld>
             <a:endParaRPr lang="pt-PT"/>
           </a:p>
@@ -863,7 +863,7 @@
           <a:p>
             <a:fld id="{E05178B7-9E62-4E3F-8A19-1535C137515F}" type="datetimeFigureOut">
               <a:rPr lang="pt-PT" smtClean="0"/>
-              <a:t>10-12-2020</a:t>
+              <a:t>16-12-2020</a:t>
             </a:fld>
             <a:endParaRPr lang="pt-PT"/>
           </a:p>
@@ -1048,7 +1048,7 @@
           <a:p>
             <a:fld id="{E05178B7-9E62-4E3F-8A19-1535C137515F}" type="datetimeFigureOut">
               <a:rPr lang="pt-PT" smtClean="0"/>
-              <a:t>10-12-2020</a:t>
+              <a:t>16-12-2020</a:t>
             </a:fld>
             <a:endParaRPr lang="pt-PT"/>
           </a:p>
@@ -1223,7 +1223,7 @@
           <a:p>
             <a:fld id="{E05178B7-9E62-4E3F-8A19-1535C137515F}" type="datetimeFigureOut">
               <a:rPr lang="pt-PT" smtClean="0"/>
-              <a:t>10-12-2020</a:t>
+              <a:t>16-12-2020</a:t>
             </a:fld>
             <a:endParaRPr lang="pt-PT"/>
           </a:p>
@@ -2706,7 +2706,7 @@
           <a:p>
             <a:fld id="{E05178B7-9E62-4E3F-8A19-1535C137515F}" type="datetimeFigureOut">
               <a:rPr lang="pt-PT" smtClean="0"/>
-              <a:t>10-12-2020</a:t>
+              <a:t>16-12-2020</a:t>
             </a:fld>
             <a:endParaRPr lang="pt-PT"/>
           </a:p>
@@ -3306,7 +3306,7 @@
           <a:p>
             <a:fld id="{E05178B7-9E62-4E3F-8A19-1535C137515F}" type="datetimeFigureOut">
               <a:rPr lang="pt-PT" smtClean="0"/>
-              <a:t>10-12-2020</a:t>
+              <a:t>16-12-2020</a:t>
             </a:fld>
             <a:endParaRPr lang="pt-PT"/>
           </a:p>
@@ -3743,7 +3743,7 @@
           <a:p>
             <a:fld id="{E05178B7-9E62-4E3F-8A19-1535C137515F}" type="datetimeFigureOut">
               <a:rPr lang="pt-PT" smtClean="0"/>
-              <a:t>10-12-2020</a:t>
+              <a:t>16-12-2020</a:t>
             </a:fld>
             <a:endParaRPr lang="pt-PT"/>
           </a:p>
@@ -4304,7 +4304,7 @@
           <a:p>
             <a:fld id="{E05178B7-9E62-4E3F-8A19-1535C137515F}" type="datetimeFigureOut">
               <a:rPr lang="pt-PT" smtClean="0"/>
-              <a:t>10-12-2020</a:t>
+              <a:t>16-12-2020</a:t>
             </a:fld>
             <a:endParaRPr lang="pt-PT"/>
           </a:p>
@@ -4400,7 +4400,7 @@
           <a:p>
             <a:fld id="{E05178B7-9E62-4E3F-8A19-1535C137515F}" type="datetimeFigureOut">
               <a:rPr lang="pt-PT" smtClean="0"/>
-              <a:t>10-12-2020</a:t>
+              <a:t>16-12-2020</a:t>
             </a:fld>
             <a:endParaRPr lang="pt-PT"/>
           </a:p>
@@ -4654,7 +4654,7 @@
           <a:p>
             <a:fld id="{E05178B7-9E62-4E3F-8A19-1535C137515F}" type="datetimeFigureOut">
               <a:rPr lang="pt-PT" smtClean="0"/>
-              <a:t>10-12-2020</a:t>
+              <a:t>16-12-2020</a:t>
             </a:fld>
             <a:endParaRPr lang="pt-PT"/>
           </a:p>
@@ -5375,7 +5375,7 @@
           <a:p>
             <a:fld id="{E05178B7-9E62-4E3F-8A19-1535C137515F}" type="datetimeFigureOut">
               <a:rPr lang="pt-PT" smtClean="0"/>
-              <a:t>10-12-2020</a:t>
+              <a:t>16-12-2020</a:t>
             </a:fld>
             <a:endParaRPr lang="pt-PT"/>
           </a:p>
@@ -6048,7 +6048,7 @@
           <a:p>
             <a:fld id="{E05178B7-9E62-4E3F-8A19-1535C137515F}" type="datetimeFigureOut">
               <a:rPr lang="pt-PT" smtClean="0"/>
-              <a:t>10-12-2020</a:t>
+              <a:t>16-12-2020</a:t>
             </a:fld>
             <a:endParaRPr lang="pt-PT"/>
           </a:p>
@@ -6463,18 +6463,11 @@
           <a:lstStyle/>
           <a:p>
             <a:r>
-              <a:rPr lang="pt-PT" sz="2800" dirty="0" err="1" smtClean="0">
-                <a:latin typeface="Arial" panose="020B0604020202020204" pitchFamily="34" charset="0"/>
-                <a:cs typeface="Arial" panose="020B0604020202020204" pitchFamily="34" charset="0"/>
-              </a:rPr>
-              <a:t>Projeto</a:t>
-            </a:r>
-            <a:r>
               <a:rPr lang="pt-PT" sz="2800" dirty="0" smtClean="0">
                 <a:latin typeface="Arial" panose="020B0604020202020204" pitchFamily="34" charset="0"/>
                 <a:cs typeface="Arial" panose="020B0604020202020204" pitchFamily="34" charset="0"/>
               </a:rPr>
-              <a:t> Módulo 5 - Apresentação</a:t>
+              <a:t>Projeto Módulo 5 - Apresentação</a:t>
             </a:r>
             <a:endParaRPr lang="pt-PT" sz="2800" dirty="0">
               <a:latin typeface="Arial" panose="020B0604020202020204" pitchFamily="34" charset="0"/>
@@ -6651,7 +6644,7 @@
         </p:blipFill>
         <p:spPr bwMode="auto">
           <a:xfrm>
-            <a:off x="4164709" y="2420888"/>
+            <a:off x="4164709" y="1556792"/>
             <a:ext cx="4759615" cy="3312368"/>
           </a:xfrm>
           <a:prstGeom prst="rect">
@@ -6682,6 +6675,79 @@
           </a:extLst>
         </p:spPr>
       </p:pic>
+      <p:sp>
+        <p:nvSpPr>
+          <p:cNvPr id="3" name="CaixaDeTexto 2"/>
+          <p:cNvSpPr txBox="1"/>
+          <p:nvPr/>
+        </p:nvSpPr>
+        <p:spPr>
+          <a:xfrm>
+            <a:off x="4159159" y="5013176"/>
+            <a:ext cx="4759615" cy="1754326"/>
+          </a:xfrm>
+          <a:prstGeom prst="rect">
+            <a:avLst/>
+          </a:prstGeom>
+          <a:noFill/>
+        </p:spPr>
+        <p:txBody>
+          <a:bodyPr wrap="square" rtlCol="0">
+            <a:spAutoFit/>
+          </a:bodyPr>
+          <a:lstStyle/>
+          <a:p>
+            <a:pPr algn="just"/>
+            <a:r>
+              <a:rPr lang="pt-PT" dirty="0" smtClean="0"/>
+              <a:t>Pergunta: Crie </a:t>
+            </a:r>
+            <a:r>
+              <a:rPr lang="pt-PT" dirty="0"/>
+              <a:t>um programa em PHP que permita armazenar 15 números inteiros </a:t>
+            </a:r>
+            <a:r>
+              <a:rPr lang="pt-PT" dirty="0" smtClean="0"/>
+              <a:t>aleatórios (1 </a:t>
+            </a:r>
+            <a:r>
+              <a:rPr lang="pt-PT" dirty="0"/>
+              <a:t>a 1000) num </a:t>
+            </a:r>
+            <a:r>
+              <a:rPr lang="pt-PT" dirty="0" err="1"/>
+              <a:t>vetor</a:t>
+            </a:r>
+            <a:r>
+              <a:rPr lang="pt-PT" dirty="0"/>
+              <a:t> (</a:t>
+            </a:r>
+            <a:r>
+              <a:rPr lang="pt-PT" dirty="0" err="1"/>
+              <a:t>array</a:t>
+            </a:r>
+            <a:r>
+              <a:rPr lang="pt-PT" dirty="0"/>
+              <a:t>). Deverá visualizar todo o </a:t>
+            </a:r>
+            <a:r>
+              <a:rPr lang="pt-PT" dirty="0" err="1"/>
+              <a:t>array</a:t>
+            </a:r>
+            <a:r>
+              <a:rPr lang="pt-PT" dirty="0"/>
+              <a:t> com uma mensagem contendo</a:t>
+            </a:r>
+          </a:p>
+          <a:p>
+            <a:pPr algn="just"/>
+            <a:r>
+              <a:rPr lang="pt-PT" dirty="0"/>
+              <a:t>a posição, o número e indicar se é par ou ímpar.</a:t>
+            </a:r>
+          </a:p>
+        </p:txBody>
+      </p:sp>
     </p:spTree>
     <p:extLst>
       <p:ext uri="{BB962C8B-B14F-4D97-AF65-F5344CB8AC3E}">
@@ -6765,7 +6831,7 @@
         </p:blipFill>
         <p:spPr bwMode="auto">
           <a:xfrm>
-            <a:off x="3923928" y="2541071"/>
+            <a:off x="3923928" y="1350665"/>
             <a:ext cx="5119309" cy="2952328"/>
           </a:xfrm>
           <a:prstGeom prst="rect">
@@ -6850,6 +6916,63 @@
           </a:extLst>
         </p:spPr>
       </p:pic>
+      <p:sp>
+        <p:nvSpPr>
+          <p:cNvPr id="3" name="CaixaDeTexto 2"/>
+          <p:cNvSpPr txBox="1"/>
+          <p:nvPr/>
+        </p:nvSpPr>
+        <p:spPr>
+          <a:xfrm>
+            <a:off x="3923928" y="4581128"/>
+            <a:ext cx="5040560" cy="1477328"/>
+          </a:xfrm>
+          <a:prstGeom prst="rect">
+            <a:avLst/>
+          </a:prstGeom>
+          <a:noFill/>
+        </p:spPr>
+        <p:txBody>
+          <a:bodyPr wrap="square" rtlCol="0">
+            <a:spAutoFit/>
+          </a:bodyPr>
+          <a:lstStyle/>
+          <a:p>
+            <a:r>
+              <a:rPr lang="pt-PT" dirty="0"/>
+              <a:t>Criar um </a:t>
+            </a:r>
+            <a:r>
+              <a:rPr lang="pt-PT" dirty="0" err="1"/>
+              <a:t>array</a:t>
+            </a:r>
+            <a:r>
+              <a:rPr lang="pt-PT" dirty="0"/>
+              <a:t> com 20 elementos inteiros aleatórios (1 a 10000). Em seguida:</a:t>
+            </a:r>
+          </a:p>
+          <a:p>
+            <a:r>
+              <a:rPr lang="pt-PT" dirty="0"/>
+              <a:t>a. Imprimir o maior e o menor, sem ordenar;</a:t>
+            </a:r>
+          </a:p>
+          <a:p>
+            <a:r>
+              <a:rPr lang="pt-PT" dirty="0"/>
+              <a:t>b. Calcular o produto e a média dos elementos do </a:t>
+            </a:r>
+            <a:r>
+              <a:rPr lang="pt-PT" dirty="0" err="1"/>
+              <a:t>array</a:t>
+            </a:r>
+            <a:r>
+              <a:rPr lang="pt-PT" dirty="0"/>
+              <a:t>.</a:t>
+            </a:r>
+          </a:p>
+        </p:txBody>
+      </p:sp>
     </p:spTree>
     <p:extLst>
       <p:ext uri="{BB962C8B-B14F-4D97-AF65-F5344CB8AC3E}">
@@ -6985,7 +7108,7 @@
         <a:sysClr val="window" lastClr="FFFFFF"/>
       </a:lt1>
       <a:dk2>
-        <a:srgbClr val="FFFFFF"/>
+        <a:srgbClr val="000000"/>
       </a:dk2>
       <a:lt2>
         <a:srgbClr val="FFFFFF"/>
@@ -7006,7 +7129,7 @@
         <a:srgbClr val="000000"/>
       </a:accent5>
       <a:accent6>
-        <a:srgbClr val="FFFFFF"/>
+        <a:srgbClr val="000000"/>
       </a:accent6>
       <a:hlink>
         <a:srgbClr val="FFFFFF"/>
